--- a/스크립트 언어 텀프 최종.pptx
+++ b/스크립트 언어 텀프 최종.pptx
@@ -6315,19 +6315,17 @@
       </p:sp>
       <p:pic>
         <p:nvPicPr>
-          <p:cNvPr id="8" name="내용 개체 틀 7">
-            <a:extLst>
-              <a:ext uri="{FF2B5EF4-FFF2-40B4-BE49-F238E27FC236}">
-                <a16:creationId xmlns:a16="http://schemas.microsoft.com/office/drawing/2014/main" id="{692771D5-BF02-43CB-AAF0-367D557E98A3}"/>
+          <p:cNvPr id="6" name="그림 5">
+            <a:extLst>
+              <a:ext uri="{FF2B5EF4-FFF2-40B4-BE49-F238E27FC236}">
+                <a16:creationId xmlns:a16="http://schemas.microsoft.com/office/drawing/2014/main" id="{24CA7F49-C015-4921-AEEC-9AC72291585F}"/>
               </a:ext>
             </a:extLst>
           </p:cNvPr>
           <p:cNvPicPr>
-            <a:picLocks noGrp="1" noChangeAspect="1"/>
+            <a:picLocks noChangeAspect="1"/>
           </p:cNvPicPr>
-          <p:nvPr>
-            <p:ph idx="1"/>
-          </p:nvPr>
+          <p:nvPr/>
         </p:nvPicPr>
         <p:blipFill>
           <a:blip r:embed="rId2"/>
@@ -6337,38 +6335,8 @@
         </p:blipFill>
         <p:spPr>
           <a:xfrm>
-            <a:off x="2048882" y="1565981"/>
-            <a:ext cx="6288013" cy="4351338"/>
-          </a:xfrm>
-          <a:prstGeom prst="rect">
-            <a:avLst/>
-          </a:prstGeom>
-        </p:spPr>
-      </p:pic>
-      <p:pic>
-        <p:nvPicPr>
-          <p:cNvPr id="9" name="그림 8">
-            <a:extLst>
-              <a:ext uri="{FF2B5EF4-FFF2-40B4-BE49-F238E27FC236}">
-                <a16:creationId xmlns:a16="http://schemas.microsoft.com/office/drawing/2014/main" id="{F102D7A4-1B75-4ED8-9BE9-339C033138EC}"/>
-              </a:ext>
-            </a:extLst>
-          </p:cNvPr>
-          <p:cNvPicPr>
-            <a:picLocks noChangeAspect="1"/>
-          </p:cNvPicPr>
-          <p:nvPr/>
-        </p:nvPicPr>
-        <p:blipFill>
-          <a:blip r:embed="rId3"/>
-          <a:stretch>
-            <a:fillRect/>
-          </a:stretch>
-        </p:blipFill>
-        <p:spPr>
-          <a:xfrm>
-            <a:off x="6749168" y="3303500"/>
-            <a:ext cx="1019175" cy="438150"/>
+            <a:off x="2227086" y="1467328"/>
+            <a:ext cx="7447492" cy="4368024"/>
           </a:xfrm>
           <a:prstGeom prst="rect">
             <a:avLst/>
